--- a/presentation.pptx
+++ b/presentation.pptx
@@ -7,25 +7,25 @@
   <p:sldIdLst>
     <p:sldId id="256" r:id="rId2"/>
     <p:sldId id="257" r:id="rId3"/>
-    <p:sldId id="258" r:id="rId4"/>
-    <p:sldId id="259" r:id="rId5"/>
-    <p:sldId id="260" r:id="rId6"/>
-    <p:sldId id="263" r:id="rId7"/>
-    <p:sldId id="261" r:id="rId8"/>
-    <p:sldId id="262" r:id="rId9"/>
-    <p:sldId id="264" r:id="rId10"/>
-    <p:sldId id="266" r:id="rId11"/>
-    <p:sldId id="265" r:id="rId12"/>
-    <p:sldId id="267" r:id="rId13"/>
-    <p:sldId id="268" r:id="rId14"/>
-    <p:sldId id="269" r:id="rId15"/>
-    <p:sldId id="270" r:id="rId16"/>
-    <p:sldId id="271" r:id="rId17"/>
-    <p:sldId id="272" r:id="rId18"/>
-    <p:sldId id="273" r:id="rId19"/>
-    <p:sldId id="274" r:id="rId20"/>
-    <p:sldId id="275" r:id="rId21"/>
-    <p:sldId id="276" r:id="rId22"/>
+    <p:sldId id="259" r:id="rId4"/>
+    <p:sldId id="260" r:id="rId5"/>
+    <p:sldId id="263" r:id="rId6"/>
+    <p:sldId id="261" r:id="rId7"/>
+    <p:sldId id="262" r:id="rId8"/>
+    <p:sldId id="264" r:id="rId9"/>
+    <p:sldId id="266" r:id="rId10"/>
+    <p:sldId id="265" r:id="rId11"/>
+    <p:sldId id="267" r:id="rId12"/>
+    <p:sldId id="268" r:id="rId13"/>
+    <p:sldId id="269" r:id="rId14"/>
+    <p:sldId id="270" r:id="rId15"/>
+    <p:sldId id="271" r:id="rId16"/>
+    <p:sldId id="272" r:id="rId17"/>
+    <p:sldId id="273" r:id="rId18"/>
+    <p:sldId id="274" r:id="rId19"/>
+    <p:sldId id="275" r:id="rId20"/>
+    <p:sldId id="276" r:id="rId21"/>
+    <p:sldId id="277" r:id="rId22"/>
   </p:sldIdLst>
   <p:sldSz cx="12192000" cy="6858000"/>
   <p:notesSz cx="6858000" cy="9144000"/>
@@ -2028,7 +2028,7 @@
           <a:p>
             <a:fld id="{1595FAD0-2A95-4A77-8D70-8671B5268FD0}" type="datetimeFigureOut">
               <a:rPr lang="en-US" smtClean="0"/>
-              <a:t>1/29/2019</a:t>
+              <a:t>1/30/2019</a:t>
             </a:fld>
             <a:endParaRPr lang="en-US"/>
           </a:p>
@@ -2326,7 +2326,7 @@
           <a:p>
             <a:fld id="{1595FAD0-2A95-4A77-8D70-8671B5268FD0}" type="datetimeFigureOut">
               <a:rPr lang="en-US" smtClean="0"/>
-              <a:t>1/29/2019</a:t>
+              <a:t>1/30/2019</a:t>
             </a:fld>
             <a:endParaRPr lang="en-US"/>
           </a:p>
@@ -2518,7 +2518,7 @@
           <a:p>
             <a:fld id="{1595FAD0-2A95-4A77-8D70-8671B5268FD0}" type="datetimeFigureOut">
               <a:rPr lang="en-US" smtClean="0"/>
-              <a:t>1/29/2019</a:t>
+              <a:t>1/30/2019</a:t>
             </a:fld>
             <a:endParaRPr lang="en-US"/>
           </a:p>
@@ -2779,7 +2779,7 @@
           <a:p>
             <a:fld id="{1595FAD0-2A95-4A77-8D70-8671B5268FD0}" type="datetimeFigureOut">
               <a:rPr lang="en-US" smtClean="0"/>
-              <a:t>1/29/2019</a:t>
+              <a:t>1/30/2019</a:t>
             </a:fld>
             <a:endParaRPr lang="en-US"/>
           </a:p>
@@ -3203,7 +3203,7 @@
           <a:p>
             <a:fld id="{1595FAD0-2A95-4A77-8D70-8671B5268FD0}" type="datetimeFigureOut">
               <a:rPr lang="en-US" smtClean="0"/>
-              <a:t>1/29/2019</a:t>
+              <a:t>1/30/2019</a:t>
             </a:fld>
             <a:endParaRPr lang="en-US"/>
           </a:p>
@@ -3740,7 +3740,7 @@
           <a:p>
             <a:fld id="{1595FAD0-2A95-4A77-8D70-8671B5268FD0}" type="datetimeFigureOut">
               <a:rPr lang="en-US" smtClean="0"/>
-              <a:t>1/29/2019</a:t>
+              <a:t>1/30/2019</a:t>
             </a:fld>
             <a:endParaRPr lang="en-US"/>
           </a:p>
@@ -4604,7 +4604,7 @@
           <a:p>
             <a:fld id="{1595FAD0-2A95-4A77-8D70-8671B5268FD0}" type="datetimeFigureOut">
               <a:rPr lang="en-US" smtClean="0"/>
-              <a:t>1/29/2019</a:t>
+              <a:t>1/30/2019</a:t>
             </a:fld>
             <a:endParaRPr lang="en-US"/>
           </a:p>
@@ -4774,7 +4774,7 @@
           <a:p>
             <a:fld id="{1595FAD0-2A95-4A77-8D70-8671B5268FD0}" type="datetimeFigureOut">
               <a:rPr lang="en-US" smtClean="0"/>
-              <a:t>1/29/2019</a:t>
+              <a:t>1/30/2019</a:t>
             </a:fld>
             <a:endParaRPr lang="en-US"/>
           </a:p>
@@ -4958,7 +4958,7 @@
           <a:p>
             <a:fld id="{1595FAD0-2A95-4A77-8D70-8671B5268FD0}" type="datetimeFigureOut">
               <a:rPr lang="en-US" smtClean="0"/>
-              <a:t>1/29/2019</a:t>
+              <a:t>1/30/2019</a:t>
             </a:fld>
             <a:endParaRPr lang="en-US"/>
           </a:p>
@@ -5128,7 +5128,7 @@
           <a:p>
             <a:fld id="{1595FAD0-2A95-4A77-8D70-8671B5268FD0}" type="datetimeFigureOut">
               <a:rPr lang="en-US" smtClean="0"/>
-              <a:t>1/29/2019</a:t>
+              <a:t>1/30/2019</a:t>
             </a:fld>
             <a:endParaRPr lang="en-US"/>
           </a:p>
@@ -5372,7 +5372,7 @@
           <a:p>
             <a:fld id="{1595FAD0-2A95-4A77-8D70-8671B5268FD0}" type="datetimeFigureOut">
               <a:rPr lang="en-US" smtClean="0"/>
-              <a:t>1/29/2019</a:t>
+              <a:t>1/30/2019</a:t>
             </a:fld>
             <a:endParaRPr lang="en-US"/>
           </a:p>
@@ -5608,7 +5608,7 @@
           <a:p>
             <a:fld id="{1595FAD0-2A95-4A77-8D70-8671B5268FD0}" type="datetimeFigureOut">
               <a:rPr lang="en-US" smtClean="0"/>
-              <a:t>1/29/2019</a:t>
+              <a:t>1/30/2019</a:t>
             </a:fld>
             <a:endParaRPr lang="en-US"/>
           </a:p>
@@ -6074,7 +6074,7 @@
           <a:p>
             <a:fld id="{1595FAD0-2A95-4A77-8D70-8671B5268FD0}" type="datetimeFigureOut">
               <a:rPr lang="en-US" smtClean="0"/>
-              <a:t>1/29/2019</a:t>
+              <a:t>1/30/2019</a:t>
             </a:fld>
             <a:endParaRPr lang="en-US"/>
           </a:p>
@@ -6192,7 +6192,7 @@
           <a:p>
             <a:fld id="{1595FAD0-2A95-4A77-8D70-8671B5268FD0}" type="datetimeFigureOut">
               <a:rPr lang="en-US" smtClean="0"/>
-              <a:t>1/29/2019</a:t>
+              <a:t>1/30/2019</a:t>
             </a:fld>
             <a:endParaRPr lang="en-US"/>
           </a:p>
@@ -6287,7 +6287,7 @@
           <a:p>
             <a:fld id="{1595FAD0-2A95-4A77-8D70-8671B5268FD0}" type="datetimeFigureOut">
               <a:rPr lang="en-US" smtClean="0"/>
-              <a:t>1/29/2019</a:t>
+              <a:t>1/30/2019</a:t>
             </a:fld>
             <a:endParaRPr lang="en-US"/>
           </a:p>
@@ -6542,7 +6542,7 @@
           <a:p>
             <a:fld id="{1595FAD0-2A95-4A77-8D70-8671B5268FD0}" type="datetimeFigureOut">
               <a:rPr lang="en-US" smtClean="0"/>
-              <a:t>1/29/2019</a:t>
+              <a:t>1/30/2019</a:t>
             </a:fld>
             <a:endParaRPr lang="en-US"/>
           </a:p>
@@ -6842,7 +6842,7 @@
           <a:p>
             <a:fld id="{1595FAD0-2A95-4A77-8D70-8671B5268FD0}" type="datetimeFigureOut">
               <a:rPr lang="en-US" smtClean="0"/>
-              <a:t>1/29/2019</a:t>
+              <a:t>1/30/2019</a:t>
             </a:fld>
             <a:endParaRPr lang="en-US"/>
           </a:p>
@@ -7076,7 +7076,7 @@
           <a:p>
             <a:fld id="{1595FAD0-2A95-4A77-8D70-8671B5268FD0}" type="datetimeFigureOut">
               <a:rPr lang="en-US" smtClean="0"/>
-              <a:t>1/29/2019</a:t>
+              <a:t>1/30/2019</a:t>
             </a:fld>
             <a:endParaRPr lang="en-US"/>
           </a:p>
@@ -7775,7 +7775,7 @@
           <a:p>
             <a:r>
               <a:rPr lang="en-US" dirty="0"/>
-              <a:t>Implementing Matrix Factorization to Improve Dynamic Features Performance</a:t>
+              <a:t>Implementing Matrix Factorization to Improve Model Performance</a:t>
             </a:r>
           </a:p>
         </p:txBody>
@@ -7822,105 +7822,6 @@
 </file>
 
 <file path=ppt/slides/slide10.xml><?xml version="1.0" encoding="utf-8"?>
-<p:sld xmlns:a="http://schemas.openxmlformats.org/drawingml/2006/main" xmlns:r="http://schemas.openxmlformats.org/officeDocument/2006/relationships" xmlns:p="http://schemas.openxmlformats.org/presentationml/2006/main">
-  <p:cSld>
-    <p:spTree>
-      <p:nvGrpSpPr>
-        <p:cNvPr id="1" name=""/>
-        <p:cNvGrpSpPr/>
-        <p:nvPr/>
-      </p:nvGrpSpPr>
-      <p:grpSpPr>
-        <a:xfrm>
-          <a:off x="0" y="0"/>
-          <a:ext cx="0" cy="0"/>
-          <a:chOff x="0" y="0"/>
-          <a:chExt cx="0" cy="0"/>
-        </a:xfrm>
-      </p:grpSpPr>
-      <p:sp>
-        <p:nvSpPr>
-          <p:cNvPr id="2" name="Title 1">
-            <a:extLst>
-              <a:ext uri="{FF2B5EF4-FFF2-40B4-BE49-F238E27FC236}">
-                <a16:creationId xmlns:a16="http://schemas.microsoft.com/office/drawing/2014/main" id="{07E1A0FC-DB78-4797-8471-5C18380A08EE}"/>
-              </a:ext>
-            </a:extLst>
-          </p:cNvPr>
-          <p:cNvSpPr>
-            <a:spLocks noGrp="1"/>
-          </p:cNvSpPr>
-          <p:nvPr>
-            <p:ph type="title"/>
-          </p:nvPr>
-        </p:nvSpPr>
-        <p:spPr>
-          <a:xfrm>
-            <a:off x="913795" y="460311"/>
-            <a:ext cx="10353762" cy="970450"/>
-          </a:xfrm>
-        </p:spPr>
-        <p:txBody>
-          <a:bodyPr/>
-          <a:lstStyle/>
-          <a:p>
-            <a:r>
-              <a:rPr lang="sv-SE" dirty="0"/>
-              <a:t>View of Region Popularity Feature</a:t>
-            </a:r>
-            <a:endParaRPr lang="en-US" dirty="0"/>
-          </a:p>
-        </p:txBody>
-      </p:sp>
-      <p:pic>
-        <p:nvPicPr>
-          <p:cNvPr id="5" name="Content Placeholder 4">
-            <a:extLst>
-              <a:ext uri="{FF2B5EF4-FFF2-40B4-BE49-F238E27FC236}">
-                <a16:creationId xmlns:a16="http://schemas.microsoft.com/office/drawing/2014/main" id="{4F2E9A02-E75A-4053-AAE8-F2322DABE012}"/>
-              </a:ext>
-            </a:extLst>
-          </p:cNvPr>
-          <p:cNvPicPr>
-            <a:picLocks noGrp="1" noChangeAspect="1"/>
-          </p:cNvPicPr>
-          <p:nvPr>
-            <p:ph idx="1"/>
-          </p:nvPr>
-        </p:nvPicPr>
-        <p:blipFill>
-          <a:blip r:embed="rId2">
-            <a:extLst>
-              <a:ext uri="{28A0092B-C50C-407E-A947-70E740481C1C}">
-                <a14:useLocalDpi xmlns:a14="http://schemas.microsoft.com/office/drawing/2010/main" val="0"/>
-              </a:ext>
-            </a:extLst>
-          </a:blip>
-          <a:stretch>
-            <a:fillRect/>
-          </a:stretch>
-        </p:blipFill>
-        <p:spPr>
-          <a:xfrm>
-            <a:off x="1174234" y="1580050"/>
-            <a:ext cx="9832884" cy="4970106"/>
-          </a:xfrm>
-        </p:spPr>
-      </p:pic>
-    </p:spTree>
-    <p:extLst>
-      <p:ext uri="{BB962C8B-B14F-4D97-AF65-F5344CB8AC3E}">
-        <p14:creationId xmlns:p14="http://schemas.microsoft.com/office/powerpoint/2010/main" val="3705193038"/>
-      </p:ext>
-    </p:extLst>
-  </p:cSld>
-  <p:clrMapOvr>
-    <a:masterClrMapping/>
-  </p:clrMapOvr>
-</p:sld>
-</file>
-
-<file path=ppt/slides/slide11.xml><?xml version="1.0" encoding="utf-8"?>
 <p:sld xmlns:a="http://schemas.openxmlformats.org/drawingml/2006/main" xmlns:r="http://schemas.openxmlformats.org/officeDocument/2006/relationships" xmlns:p="http://schemas.openxmlformats.org/presentationml/2006/main">
   <p:cSld>
     <p:spTree>
@@ -8122,7 +8023,7 @@
 </p:sld>
 </file>
 
-<file path=ppt/slides/slide12.xml><?xml version="1.0" encoding="utf-8"?>
+<file path=ppt/slides/slide11.xml><?xml version="1.0" encoding="utf-8"?>
 <p:sld xmlns:a="http://schemas.openxmlformats.org/drawingml/2006/main" xmlns:r="http://schemas.openxmlformats.org/officeDocument/2006/relationships" xmlns:p="http://schemas.openxmlformats.org/presentationml/2006/main">
   <p:cSld>
     <p:bg>
@@ -8385,7 +8286,7 @@
 </p:sld>
 </file>
 
-<file path=ppt/slides/slide13.xml><?xml version="1.0" encoding="utf-8"?>
+<file path=ppt/slides/slide12.xml><?xml version="1.0" encoding="utf-8"?>
 <p:sld xmlns:a="http://schemas.openxmlformats.org/drawingml/2006/main" xmlns:r="http://schemas.openxmlformats.org/officeDocument/2006/relationships" xmlns:p="http://schemas.openxmlformats.org/presentationml/2006/main">
   <p:cSld>
     <p:bg>
@@ -8550,7 +8451,7 @@
 </p:sld>
 </file>
 
-<file path=ppt/slides/slide14.xml><?xml version="1.0" encoding="utf-8"?>
+<file path=ppt/slides/slide13.xml><?xml version="1.0" encoding="utf-8"?>
 <p:sld xmlns:a="http://schemas.openxmlformats.org/drawingml/2006/main" xmlns:r="http://schemas.openxmlformats.org/officeDocument/2006/relationships" xmlns:p="http://schemas.openxmlformats.org/presentationml/2006/main">
   <p:cSld>
     <p:spTree>
@@ -8738,6 +8639,76 @@
 </p:sld>
 </file>
 
+<file path=ppt/slides/slide14.xml><?xml version="1.0" encoding="utf-8"?>
+<p:sld xmlns:a="http://schemas.openxmlformats.org/drawingml/2006/main" xmlns:r="http://schemas.openxmlformats.org/officeDocument/2006/relationships" xmlns:p="http://schemas.openxmlformats.org/presentationml/2006/main">
+  <p:cSld>
+    <p:spTree>
+      <p:nvGrpSpPr>
+        <p:cNvPr id="1" name=""/>
+        <p:cNvGrpSpPr/>
+        <p:nvPr/>
+      </p:nvGrpSpPr>
+      <p:grpSpPr>
+        <a:xfrm>
+          <a:off x="0" y="0"/>
+          <a:ext cx="0" cy="0"/>
+          <a:chOff x="0" y="0"/>
+          <a:chExt cx="0" cy="0"/>
+        </a:xfrm>
+      </p:grpSpPr>
+      <p:sp>
+        <p:nvSpPr>
+          <p:cNvPr id="2" name="Title 1">
+            <a:extLst>
+              <a:ext uri="{FF2B5EF4-FFF2-40B4-BE49-F238E27FC236}">
+                <a16:creationId xmlns:a16="http://schemas.microsoft.com/office/drawing/2014/main" id="{9A262F97-F468-49C5-AAA1-BBA9CA4D72F7}"/>
+              </a:ext>
+            </a:extLst>
+          </p:cNvPr>
+          <p:cNvSpPr>
+            <a:spLocks noGrp="1"/>
+          </p:cNvSpPr>
+          <p:nvPr>
+            <p:ph type="title"/>
+          </p:nvPr>
+        </p:nvSpPr>
+        <p:spPr>
+          <a:xfrm>
+            <a:off x="919119" y="3107267"/>
+            <a:ext cx="10353762" cy="970450"/>
+          </a:xfrm>
+        </p:spPr>
+        <p:txBody>
+          <a:bodyPr>
+            <a:normAutofit/>
+          </a:bodyPr>
+          <a:lstStyle/>
+          <a:p>
+            <a:r>
+              <a:rPr lang="sv-SE" dirty="0"/>
+              <a:t>Target </a:t>
+            </a:r>
+            <a:r>
+              <a:rPr lang="sv-SE"/>
+              <a:t>Lables</a:t>
+            </a:r>
+            <a:endParaRPr lang="en-US" dirty="0"/>
+          </a:p>
+        </p:txBody>
+      </p:sp>
+    </p:spTree>
+    <p:extLst>
+      <p:ext uri="{BB962C8B-B14F-4D97-AF65-F5344CB8AC3E}">
+        <p14:creationId xmlns:p14="http://schemas.microsoft.com/office/powerpoint/2010/main" val="1844112507"/>
+      </p:ext>
+    </p:extLst>
+  </p:cSld>
+  <p:clrMapOvr>
+    <a:masterClrMapping/>
+  </p:clrMapOvr>
+</p:sld>
+</file>
+
 <file path=ppt/slides/slide15.xml><?xml version="1.0" encoding="utf-8"?>
 <p:sld xmlns:a="http://schemas.openxmlformats.org/drawingml/2006/main" xmlns:r="http://schemas.openxmlformats.org/officeDocument/2006/relationships" xmlns:p="http://schemas.openxmlformats.org/presentationml/2006/main">
   <p:cSld>
@@ -8760,86 +8731,6 @@
           <p:cNvPr id="2" name="Title 1">
             <a:extLst>
               <a:ext uri="{FF2B5EF4-FFF2-40B4-BE49-F238E27FC236}">
-                <a16:creationId xmlns:a16="http://schemas.microsoft.com/office/drawing/2014/main" id="{9A262F97-F468-49C5-AAA1-BBA9CA4D72F7}"/>
-              </a:ext>
-            </a:extLst>
-          </p:cNvPr>
-          <p:cNvSpPr>
-            <a:spLocks noGrp="1"/>
-          </p:cNvSpPr>
-          <p:nvPr>
-            <p:ph type="title"/>
-          </p:nvPr>
-        </p:nvSpPr>
-        <p:spPr/>
-        <p:txBody>
-          <a:bodyPr/>
-          <a:lstStyle/>
-          <a:p>
-            <a:endParaRPr lang="en-US"/>
-          </a:p>
-        </p:txBody>
-      </p:sp>
-      <p:sp>
-        <p:nvSpPr>
-          <p:cNvPr id="3" name="Content Placeholder 2">
-            <a:extLst>
-              <a:ext uri="{FF2B5EF4-FFF2-40B4-BE49-F238E27FC236}">
-                <a16:creationId xmlns:a16="http://schemas.microsoft.com/office/drawing/2014/main" id="{F7B5DF63-CE45-4960-8EE9-A77909622BA0}"/>
-              </a:ext>
-            </a:extLst>
-          </p:cNvPr>
-          <p:cNvSpPr>
-            <a:spLocks noGrp="1"/>
-          </p:cNvSpPr>
-          <p:nvPr>
-            <p:ph idx="1"/>
-          </p:nvPr>
-        </p:nvSpPr>
-        <p:spPr/>
-        <p:txBody>
-          <a:bodyPr/>
-          <a:lstStyle/>
-          <a:p>
-            <a:endParaRPr lang="en-US"/>
-          </a:p>
-        </p:txBody>
-      </p:sp>
-    </p:spTree>
-    <p:extLst>
-      <p:ext uri="{BB962C8B-B14F-4D97-AF65-F5344CB8AC3E}">
-        <p14:creationId xmlns:p14="http://schemas.microsoft.com/office/powerpoint/2010/main" val="1844112507"/>
-      </p:ext>
-    </p:extLst>
-  </p:cSld>
-  <p:clrMapOvr>
-    <a:masterClrMapping/>
-  </p:clrMapOvr>
-</p:sld>
-</file>
-
-<file path=ppt/slides/slide16.xml><?xml version="1.0" encoding="utf-8"?>
-<p:sld xmlns:a="http://schemas.openxmlformats.org/drawingml/2006/main" xmlns:r="http://schemas.openxmlformats.org/officeDocument/2006/relationships" xmlns:p="http://schemas.openxmlformats.org/presentationml/2006/main">
-  <p:cSld>
-    <p:spTree>
-      <p:nvGrpSpPr>
-        <p:cNvPr id="1" name=""/>
-        <p:cNvGrpSpPr/>
-        <p:nvPr/>
-      </p:nvGrpSpPr>
-      <p:grpSpPr>
-        <a:xfrm>
-          <a:off x="0" y="0"/>
-          <a:ext cx="0" cy="0"/>
-          <a:chOff x="0" y="0"/>
-          <a:chExt cx="0" cy="0"/>
-        </a:xfrm>
-      </p:grpSpPr>
-      <p:sp>
-        <p:nvSpPr>
-          <p:cNvPr id="2" name="Title 1">
-            <a:extLst>
-              <a:ext uri="{FF2B5EF4-FFF2-40B4-BE49-F238E27FC236}">
                 <a16:creationId xmlns:a16="http://schemas.microsoft.com/office/drawing/2014/main" id="{C69E278E-2C1A-4B6D-B8EF-331C3BA03A88}"/>
               </a:ext>
             </a:extLst>
@@ -8948,7 +8839,7 @@
 </p:sld>
 </file>
 
-<file path=ppt/slides/slide17.xml><?xml version="1.0" encoding="utf-8"?>
+<file path=ppt/slides/slide16.xml><?xml version="1.0" encoding="utf-8"?>
 <p:sld xmlns:a="http://schemas.openxmlformats.org/drawingml/2006/main" xmlns:r="http://schemas.openxmlformats.org/officeDocument/2006/relationships" xmlns:p="http://schemas.openxmlformats.org/presentationml/2006/main">
   <p:cSld>
     <p:spTree>
@@ -9043,6 +8934,168 @@
 </p:sld>
 </file>
 
+<file path=ppt/slides/slide17.xml><?xml version="1.0" encoding="utf-8"?>
+<p:sld xmlns:a="http://schemas.openxmlformats.org/drawingml/2006/main" xmlns:r="http://schemas.openxmlformats.org/officeDocument/2006/relationships" xmlns:p="http://schemas.openxmlformats.org/presentationml/2006/main">
+  <p:cSld>
+    <p:spTree>
+      <p:nvGrpSpPr>
+        <p:cNvPr id="1" name=""/>
+        <p:cNvGrpSpPr/>
+        <p:nvPr/>
+      </p:nvGrpSpPr>
+      <p:grpSpPr>
+        <a:xfrm>
+          <a:off x="0" y="0"/>
+          <a:ext cx="0" cy="0"/>
+          <a:chOff x="0" y="0"/>
+          <a:chExt cx="0" cy="0"/>
+        </a:xfrm>
+      </p:grpSpPr>
+      <p:sp>
+        <p:nvSpPr>
+          <p:cNvPr id="2" name="Title 1">
+            <a:extLst>
+              <a:ext uri="{FF2B5EF4-FFF2-40B4-BE49-F238E27FC236}">
+                <a16:creationId xmlns:a16="http://schemas.microsoft.com/office/drawing/2014/main" id="{C02AAA23-4901-4A16-86C5-1512F5D343A0}"/>
+              </a:ext>
+            </a:extLst>
+          </p:cNvPr>
+          <p:cNvSpPr>
+            <a:spLocks noGrp="1"/>
+          </p:cNvSpPr>
+          <p:nvPr>
+            <p:ph type="title"/>
+          </p:nvPr>
+        </p:nvSpPr>
+        <p:spPr/>
+        <p:txBody>
+          <a:bodyPr/>
+          <a:lstStyle/>
+          <a:p>
+            <a:r>
+              <a:rPr lang="en-US" dirty="0"/>
+              <a:t>Modelling</a:t>
+            </a:r>
+          </a:p>
+        </p:txBody>
+      </p:sp>
+      <p:sp>
+        <p:nvSpPr>
+          <p:cNvPr id="3" name="Content Placeholder 2">
+            <a:extLst>
+              <a:ext uri="{FF2B5EF4-FFF2-40B4-BE49-F238E27FC236}">
+                <a16:creationId xmlns:a16="http://schemas.microsoft.com/office/drawing/2014/main" id="{89530980-EA42-440F-806F-02EC1140A516}"/>
+              </a:ext>
+            </a:extLst>
+          </p:cNvPr>
+          <p:cNvSpPr>
+            <a:spLocks noGrp="1"/>
+          </p:cNvSpPr>
+          <p:nvPr>
+            <p:ph idx="1"/>
+          </p:nvPr>
+        </p:nvSpPr>
+        <p:spPr/>
+        <p:txBody>
+          <a:bodyPr>
+            <a:normAutofit fontScale="77500" lnSpcReduction="20000"/>
+          </a:bodyPr>
+          <a:lstStyle/>
+          <a:p>
+            <a:r>
+              <a:rPr lang="en-US" dirty="0" err="1"/>
+              <a:t>Sklearn</a:t>
+            </a:r>
+            <a:endParaRPr lang="en-US" dirty="0"/>
+          </a:p>
+          <a:p>
+            <a:pPr lvl="1"/>
+            <a:r>
+              <a:rPr lang="en-US" dirty="0"/>
+              <a:t>SVM</a:t>
+            </a:r>
+          </a:p>
+          <a:p>
+            <a:pPr lvl="1"/>
+            <a:r>
+              <a:rPr lang="en-US" dirty="0"/>
+              <a:t>Logistic Regression</a:t>
+            </a:r>
+          </a:p>
+          <a:p>
+            <a:pPr lvl="1"/>
+            <a:r>
+              <a:rPr lang="en-US" dirty="0"/>
+              <a:t>Random Forest</a:t>
+            </a:r>
+          </a:p>
+          <a:p>
+            <a:r>
+              <a:rPr lang="en-US" dirty="0"/>
+              <a:t>TensorFlow</a:t>
+            </a:r>
+          </a:p>
+          <a:p>
+            <a:pPr lvl="1"/>
+            <a:r>
+              <a:rPr lang="en-US" dirty="0"/>
+              <a:t>Fully connected 1-layer Neural Network</a:t>
+            </a:r>
+          </a:p>
+          <a:p>
+            <a:endParaRPr lang="sv-SE" dirty="0"/>
+          </a:p>
+          <a:p>
+            <a:r>
+              <a:rPr lang="sv-SE" dirty="0"/>
+              <a:t>Non-scaled features vs Scaled features</a:t>
+            </a:r>
+          </a:p>
+          <a:p>
+            <a:r>
+              <a:rPr lang="sv-SE" dirty="0"/>
+              <a:t>Crime is a rare event – Imbalanced Classes</a:t>
+            </a:r>
+          </a:p>
+          <a:p>
+            <a:pPr lvl="1"/>
+            <a:r>
+              <a:rPr lang="sv-SE" dirty="0"/>
+              <a:t>Solution: Undersampling</a:t>
+            </a:r>
+          </a:p>
+          <a:p>
+            <a:pPr lvl="2"/>
+            <a:r>
+              <a:rPr lang="sv-SE" dirty="0"/>
+              <a:t>Disadvantages: can result in loss of important data</a:t>
+            </a:r>
+          </a:p>
+          <a:p>
+            <a:pPr lvl="2"/>
+            <a:endParaRPr lang="sv-SE" dirty="0"/>
+          </a:p>
+          <a:p>
+            <a:r>
+              <a:rPr lang="en-US" dirty="0"/>
+              <a:t>Train/dev split: 70%/30%</a:t>
+            </a:r>
+          </a:p>
+        </p:txBody>
+      </p:sp>
+    </p:spTree>
+    <p:extLst>
+      <p:ext uri="{BB962C8B-B14F-4D97-AF65-F5344CB8AC3E}">
+        <p14:creationId xmlns:p14="http://schemas.microsoft.com/office/powerpoint/2010/main" val="4078898117"/>
+      </p:ext>
+    </p:extLst>
+  </p:cSld>
+  <p:clrMapOvr>
+    <a:masterClrMapping/>
+  </p:clrMapOvr>
+</p:sld>
+</file>
+
 <file path=ppt/slides/slide18.xml><?xml version="1.0" encoding="utf-8"?>
 <p:sld xmlns:a="http://schemas.openxmlformats.org/drawingml/2006/main" xmlns:r="http://schemas.openxmlformats.org/officeDocument/2006/relationships" xmlns:p="http://schemas.openxmlformats.org/presentationml/2006/main">
   <p:cSld>
@@ -9065,7 +9118,7 @@
           <p:cNvPr id="2" name="Title 1">
             <a:extLst>
               <a:ext uri="{FF2B5EF4-FFF2-40B4-BE49-F238E27FC236}">
-                <a16:creationId xmlns:a16="http://schemas.microsoft.com/office/drawing/2014/main" id="{C02AAA23-4901-4A16-86C5-1512F5D343A0}"/>
+                <a16:creationId xmlns:a16="http://schemas.microsoft.com/office/drawing/2014/main" id="{00D8DCC0-063B-46AD-8AA9-F8DBC080EA7F}"/>
               </a:ext>
             </a:extLst>
           </p:cNvPr>
@@ -9082,9 +9135,10 @@
           <a:lstStyle/>
           <a:p>
             <a:r>
-              <a:rPr lang="en-US" dirty="0"/>
-              <a:t>Modelling</a:t>
-            </a:r>
+              <a:rPr lang="sv-SE" dirty="0"/>
+              <a:t>Evaluation</a:t>
+            </a:r>
+            <a:endParaRPr lang="en-US" dirty="0"/>
           </a:p>
         </p:txBody>
       </p:sp>
@@ -9093,7 +9147,7 @@
           <p:cNvPr id="3" name="Content Placeholder 2">
             <a:extLst>
               <a:ext uri="{FF2B5EF4-FFF2-40B4-BE49-F238E27FC236}">
-                <a16:creationId xmlns:a16="http://schemas.microsoft.com/office/drawing/2014/main" id="{89530980-EA42-440F-806F-02EC1140A516}"/>
+                <a16:creationId xmlns:a16="http://schemas.microsoft.com/office/drawing/2014/main" id="{038BFA63-076C-444C-9345-0187F1A85495}"/>
               </a:ext>
             </a:extLst>
           </p:cNvPr>
@@ -9106,96 +9160,62 @@
         </p:nvSpPr>
         <p:spPr/>
         <p:txBody>
-          <a:bodyPr>
-            <a:normAutofit fontScale="77500" lnSpcReduction="20000"/>
-          </a:bodyPr>
+          <a:bodyPr/>
           <a:lstStyle/>
           <a:p>
             <a:r>
-              <a:rPr lang="en-US" dirty="0" err="1"/>
-              <a:t>Sklearn</a:t>
-            </a:r>
+              <a:rPr lang="sv-SE" dirty="0"/>
+              <a:t>Neighborhood of interest – West Village</a:t>
+            </a:r>
+          </a:p>
+          <a:p>
+            <a:r>
+              <a:rPr lang="sv-SE" dirty="0"/>
+              <a:t>5</a:t>
+            </a:r>
+            <a:r>
+              <a:rPr lang="en-US" dirty="0"/>
+              <a:t>0%/50% balanced set</a:t>
+            </a:r>
+          </a:p>
+          <a:p>
+            <a:pPr lvl="1"/>
+            <a:r>
+              <a:rPr lang="en-US" dirty="0"/>
+              <a:t>220 crime examples: 220 non-crime examples</a:t>
+            </a:r>
+          </a:p>
+          <a:p>
+            <a:r>
+              <a:rPr lang="en-US" dirty="0"/>
+              <a:t>Sparse vs Dynamic</a:t>
+            </a:r>
+          </a:p>
+          <a:p>
+            <a:r>
+              <a:rPr lang="en-US" dirty="0"/>
+              <a:t>Sparse Feature Scaled vs Dynamic Feature Scaled</a:t>
+            </a:r>
+          </a:p>
+          <a:p>
+            <a:r>
+              <a:rPr lang="en-US" dirty="0"/>
+              <a:t>Primary evaluation metric: AUC 5-Kfold cross validation</a:t>
+            </a:r>
+            <a:r>
+              <a:rPr lang="sv-SE" dirty="0"/>
+              <a:t> (excluding Neural Network)</a:t>
+            </a:r>
+          </a:p>
+          <a:p>
             <a:endParaRPr lang="en-US" dirty="0"/>
-          </a:p>
-          <a:p>
-            <a:pPr lvl="1"/>
-            <a:r>
-              <a:rPr lang="en-US" dirty="0"/>
-              <a:t>SVM</a:t>
-            </a:r>
-          </a:p>
-          <a:p>
-            <a:pPr lvl="1"/>
-            <a:r>
-              <a:rPr lang="en-US" dirty="0"/>
-              <a:t>Logistic Regression</a:t>
-            </a:r>
-          </a:p>
-          <a:p>
-            <a:pPr lvl="1"/>
-            <a:r>
-              <a:rPr lang="en-US" dirty="0"/>
-              <a:t>Random Forest</a:t>
-            </a:r>
-          </a:p>
-          <a:p>
-            <a:r>
-              <a:rPr lang="en-US" dirty="0"/>
-              <a:t>TensorFlow</a:t>
-            </a:r>
-          </a:p>
-          <a:p>
-            <a:pPr lvl="1"/>
-            <a:r>
-              <a:rPr lang="en-US" dirty="0"/>
-              <a:t>Fully connected 1-layer Neural Network</a:t>
-            </a:r>
-          </a:p>
-          <a:p>
-            <a:endParaRPr lang="sv-SE" dirty="0"/>
-          </a:p>
-          <a:p>
-            <a:r>
-              <a:rPr lang="sv-SE" dirty="0"/>
-              <a:t>Non-scaled features vs Scaled features</a:t>
-            </a:r>
-          </a:p>
-          <a:p>
-            <a:r>
-              <a:rPr lang="sv-SE" dirty="0"/>
-              <a:t>Crime is a rare event – Imbalanced Classes</a:t>
-            </a:r>
-          </a:p>
-          <a:p>
-            <a:pPr lvl="1"/>
-            <a:r>
-              <a:rPr lang="sv-SE" dirty="0"/>
-              <a:t>Solution: Undersampling</a:t>
-            </a:r>
-          </a:p>
-          <a:p>
-            <a:pPr lvl="2"/>
-            <a:r>
-              <a:rPr lang="sv-SE" dirty="0"/>
-              <a:t>Disadvantages: can result in loss of important data</a:t>
-            </a:r>
-          </a:p>
-          <a:p>
-            <a:pPr lvl="2"/>
-            <a:endParaRPr lang="sv-SE" dirty="0"/>
-          </a:p>
-          <a:p>
-            <a:r>
-              <a:rPr lang="en-US" dirty="0"/>
-              <a:t>Train/dev split: 70%/30%</a:t>
-            </a:r>
           </a:p>
         </p:txBody>
       </p:sp>
     </p:spTree>
     <p:extLst>
       <p:ext uri="{BB962C8B-B14F-4D97-AF65-F5344CB8AC3E}">
-        <p14:creationId xmlns:p14="http://schemas.microsoft.com/office/powerpoint/2010/main" val="4078898117"/>
+        <p14:creationId xmlns:p14="http://schemas.microsoft.com/office/powerpoint/2010/main" val="1007508811"/>
       </p:ext>
     </p:extLst>
   </p:cSld>
@@ -9227,7 +9247,7 @@
           <p:cNvPr id="2" name="Title 1">
             <a:extLst>
               <a:ext uri="{FF2B5EF4-FFF2-40B4-BE49-F238E27FC236}">
-                <a16:creationId xmlns:a16="http://schemas.microsoft.com/office/drawing/2014/main" id="{00D8DCC0-063B-46AD-8AA9-F8DBC080EA7F}"/>
+                <a16:creationId xmlns:a16="http://schemas.microsoft.com/office/drawing/2014/main" id="{6B354772-CFB0-4AD8-B95E-884F3BF9BFBE}"/>
               </a:ext>
             </a:extLst>
           </p:cNvPr>
@@ -9238,14 +9258,19 @@
             <p:ph type="title"/>
           </p:nvPr>
         </p:nvSpPr>
-        <p:spPr/>
+        <p:spPr>
+          <a:xfrm>
+            <a:off x="913795" y="0"/>
+            <a:ext cx="10353762" cy="970450"/>
+          </a:xfrm>
+        </p:spPr>
         <p:txBody>
           <a:bodyPr/>
           <a:lstStyle/>
           <a:p>
             <a:r>
               <a:rPr lang="sv-SE" dirty="0"/>
-              <a:t>Evaluation</a:t>
+              <a:t>Results</a:t>
             </a:r>
             <a:endParaRPr lang="en-US" dirty="0"/>
           </a:p>
@@ -9256,7 +9281,7 @@
           <p:cNvPr id="3" name="Content Placeholder 2">
             <a:extLst>
               <a:ext uri="{FF2B5EF4-FFF2-40B4-BE49-F238E27FC236}">
-                <a16:creationId xmlns:a16="http://schemas.microsoft.com/office/drawing/2014/main" id="{038BFA63-076C-444C-9345-0187F1A85495}"/>
+                <a16:creationId xmlns:a16="http://schemas.microsoft.com/office/drawing/2014/main" id="{9DAB6E66-6A1C-4BCF-822E-1220B8C79C23}"/>
               </a:ext>
             </a:extLst>
           </p:cNvPr>
@@ -9267,64 +9292,67 @@
             <p:ph idx="1"/>
           </p:nvPr>
         </p:nvSpPr>
-        <p:spPr/>
+        <p:spPr>
+          <a:xfrm>
+            <a:off x="913795" y="865651"/>
+            <a:ext cx="10353762" cy="4058751"/>
+          </a:xfrm>
+        </p:spPr>
         <p:txBody>
           <a:bodyPr/>
           <a:lstStyle/>
           <a:p>
             <a:r>
               <a:rPr lang="sv-SE" dirty="0"/>
-              <a:t>Neighborhood of interest – West Village</a:t>
+              <a:t>Average of 5-Kfold after 14 runs</a:t>
             </a:r>
           </a:p>
           <a:p>
             <a:r>
               <a:rPr lang="sv-SE" dirty="0"/>
-              <a:t>5</a:t>
+              <a:t>Dynamic features improved AUC </a:t>
             </a:r>
             <a:r>
               <a:rPr lang="en-US" dirty="0"/>
-              <a:t>0%/50% balanced set</a:t>
-            </a:r>
-          </a:p>
-          <a:p>
-            <a:pPr lvl="1"/>
-            <a:r>
-              <a:rPr lang="en-US" dirty="0"/>
-              <a:t>220 crime examples: 220 non-crime examples</a:t>
-            </a:r>
-          </a:p>
-          <a:p>
-            <a:r>
-              <a:rPr lang="en-US" dirty="0"/>
-              <a:t>Sparse vs Dynamic</a:t>
-            </a:r>
-          </a:p>
-          <a:p>
-            <a:r>
-              <a:rPr lang="en-US" dirty="0"/>
-              <a:t>Sparse Feature Scaled vs Dynamic Feature Scaled</a:t>
-            </a:r>
-          </a:p>
-          <a:p>
-            <a:r>
-              <a:rPr lang="en-US" dirty="0"/>
-              <a:t>Primary evaluation metric: AUC 5-Kfold cross validation</a:t>
-            </a:r>
-            <a:r>
-              <a:rPr lang="sv-SE" dirty="0"/>
-              <a:t> (excluding Neural Network)</a:t>
-            </a:r>
-          </a:p>
-          <a:p>
-            <a:endParaRPr lang="en-US" dirty="0"/>
-          </a:p>
-        </p:txBody>
-      </p:sp>
+              <a:t>~2-5% for West Village</a:t>
+            </a:r>
+          </a:p>
+        </p:txBody>
+      </p:sp>
+      <p:graphicFrame>
+        <p:nvGraphicFramePr>
+          <p:cNvPr id="13" name="Content Placeholder 3">
+            <a:extLst>
+              <a:ext uri="{FF2B5EF4-FFF2-40B4-BE49-F238E27FC236}">
+                <a16:creationId xmlns:a16="http://schemas.microsoft.com/office/drawing/2014/main" id="{9E64F37B-A38B-428E-872C-C3EE2006BC8D}"/>
+              </a:ext>
+            </a:extLst>
+          </p:cNvPr>
+          <p:cNvGraphicFramePr>
+            <a:graphicFrameLocks/>
+          </p:cNvGraphicFramePr>
+          <p:nvPr>
+            <p:extLst>
+              <p:ext uri="{D42A27DB-BD31-4B8C-83A1-F6EECF244321}">
+                <p14:modId xmlns:p14="http://schemas.microsoft.com/office/powerpoint/2010/main" val="117385227"/>
+              </p:ext>
+            </p:extLst>
+          </p:nvPr>
+        </p:nvGraphicFramePr>
+        <p:xfrm>
+          <a:off x="913795" y="1928207"/>
+          <a:ext cx="10353675" cy="4792394"/>
+        </p:xfrm>
+        <a:graphic>
+          <a:graphicData uri="http://schemas.openxmlformats.org/drawingml/2006/chart">
+            <c:chart xmlns:c="http://schemas.openxmlformats.org/drawingml/2006/chart" xmlns:r="http://schemas.openxmlformats.org/officeDocument/2006/relationships" r:id="rId2"/>
+          </a:graphicData>
+        </a:graphic>
+      </p:graphicFrame>
     </p:spTree>
     <p:extLst>
       <p:ext uri="{BB962C8B-B14F-4D97-AF65-F5344CB8AC3E}">
-        <p14:creationId xmlns:p14="http://schemas.microsoft.com/office/powerpoint/2010/main" val="1007508811"/>
+        <p14:creationId xmlns:p14="http://schemas.microsoft.com/office/powerpoint/2010/main" val="1456494225"/>
       </p:ext>
     </p:extLst>
   </p:cSld>
@@ -9449,6 +9477,25 @@
                 <a:effectLst/>
               </a:rPr>
               <a:t>Preferably in Python.</a:t>
+            </a:r>
+          </a:p>
+          <a:p>
+            <a:endParaRPr lang="sv-SE" dirty="0">
+              <a:effectLst/>
+            </a:endParaRPr>
+          </a:p>
+          <a:p>
+            <a:r>
+              <a:rPr lang="sv-SE" dirty="0">
+                <a:effectLst/>
+              </a:rPr>
+              <a:t>M</a:t>
+            </a:r>
+            <a:r>
+              <a:rPr lang="en-US" dirty="0">
+                <a:effectLst/>
+              </a:rPr>
+              <a:t>y Objective: Try to implement dynamic features to improve model performance.</a:t>
             </a:r>
           </a:p>
           <a:p>
@@ -9491,7 +9538,7 @@
           <p:cNvPr id="2" name="Title 1">
             <a:extLst>
               <a:ext uri="{FF2B5EF4-FFF2-40B4-BE49-F238E27FC236}">
-                <a16:creationId xmlns:a16="http://schemas.microsoft.com/office/drawing/2014/main" id="{6B354772-CFB0-4AD8-B95E-884F3BF9BFBE}"/>
+                <a16:creationId xmlns:a16="http://schemas.microsoft.com/office/drawing/2014/main" id="{1F963C0E-367B-49CC-A659-41A7D6D75D66}"/>
               </a:ext>
             </a:extLst>
           </p:cNvPr>
@@ -9502,30 +9549,24 @@
             <p:ph type="title"/>
           </p:nvPr>
         </p:nvSpPr>
-        <p:spPr>
-          <a:xfrm>
-            <a:off x="913795" y="0"/>
-            <a:ext cx="10353762" cy="970450"/>
-          </a:xfrm>
-        </p:spPr>
+        <p:spPr/>
         <p:txBody>
           <a:bodyPr/>
           <a:lstStyle/>
           <a:p>
             <a:r>
-              <a:rPr lang="sv-SE" dirty="0"/>
-              <a:t>Results</a:t>
-            </a:r>
-            <a:endParaRPr lang="en-US" dirty="0"/>
-          </a:p>
-        </p:txBody>
-      </p:sp>
-      <p:sp>
-        <p:nvSpPr>
-          <p:cNvPr id="3" name="Content Placeholder 2">
+              <a:rPr lang="en-US" dirty="0"/>
+              <a:t>Critiques</a:t>
+            </a:r>
+          </a:p>
+        </p:txBody>
+      </p:sp>
+      <p:sp>
+        <p:nvSpPr>
+          <p:cNvPr id="5" name="Content Placeholder 4">
             <a:extLst>
               <a:ext uri="{FF2B5EF4-FFF2-40B4-BE49-F238E27FC236}">
-                <a16:creationId xmlns:a16="http://schemas.microsoft.com/office/drawing/2014/main" id="{9DAB6E66-6A1C-4BCF-822E-1220B8C79C23}"/>
+                <a16:creationId xmlns:a16="http://schemas.microsoft.com/office/drawing/2014/main" id="{C5B0C160-488F-4957-9DF0-8B9D23D93CD5}"/>
               </a:ext>
             </a:extLst>
           </p:cNvPr>
@@ -9536,67 +9577,45 @@
             <p:ph idx="1"/>
           </p:nvPr>
         </p:nvSpPr>
-        <p:spPr>
-          <a:xfrm>
-            <a:off x="913795" y="865651"/>
-            <a:ext cx="10353762" cy="4058751"/>
-          </a:xfrm>
-        </p:spPr>
+        <p:spPr/>
         <p:txBody>
           <a:bodyPr/>
           <a:lstStyle/>
           <a:p>
             <a:r>
-              <a:rPr lang="sv-SE" dirty="0"/>
-              <a:t>Average of 5-Kfold after 14 runs</a:t>
-            </a:r>
-          </a:p>
-          <a:p>
-            <a:r>
-              <a:rPr lang="sv-SE" dirty="0"/>
-              <a:t>Dynamic features improved AUC </a:t>
-            </a:r>
-            <a:r>
               <a:rPr lang="en-US" dirty="0"/>
-              <a:t>~2-5% for West Village</a:t>
-            </a:r>
-          </a:p>
-        </p:txBody>
-      </p:sp>
-      <p:graphicFrame>
-        <p:nvGraphicFramePr>
-          <p:cNvPr id="13" name="Content Placeholder 3">
-            <a:extLst>
-              <a:ext uri="{FF2B5EF4-FFF2-40B4-BE49-F238E27FC236}">
-                <a16:creationId xmlns:a16="http://schemas.microsoft.com/office/drawing/2014/main" id="{9E64F37B-A38B-428E-872C-C3EE2006BC8D}"/>
-              </a:ext>
-            </a:extLst>
-          </p:cNvPr>
-          <p:cNvGraphicFramePr>
-            <a:graphicFrameLocks/>
-          </p:cNvGraphicFramePr>
-          <p:nvPr>
-            <p:extLst>
-              <p:ext uri="{D42A27DB-BD31-4B8C-83A1-F6EECF244321}">
-                <p14:modId xmlns:p14="http://schemas.microsoft.com/office/powerpoint/2010/main" val="117385227"/>
-              </p:ext>
-            </p:extLst>
-          </p:nvPr>
-        </p:nvGraphicFramePr>
-        <p:xfrm>
-          <a:off x="913795" y="1928207"/>
-          <a:ext cx="10353675" cy="4792394"/>
-        </p:xfrm>
-        <a:graphic>
-          <a:graphicData uri="http://schemas.openxmlformats.org/drawingml/2006/chart">
-            <c:chart xmlns:c="http://schemas.openxmlformats.org/drawingml/2006/chart" xmlns:r="http://schemas.openxmlformats.org/officeDocument/2006/relationships" r:id="rId2"/>
-          </a:graphicData>
-        </a:graphic>
-      </p:graphicFrame>
+              <a:t>Only looked at West Village</a:t>
+            </a:r>
+          </a:p>
+          <a:p>
+            <a:r>
+              <a:rPr lang="en-US" dirty="0"/>
+              <a:t>Many Hyper-parameters that could have been optimized</a:t>
+            </a:r>
+          </a:p>
+          <a:p>
+            <a:r>
+              <a:rPr lang="en-US" dirty="0"/>
+              <a:t>Never tried testing a trained model on a particular neighborhood and testing on a different neighborhood.</a:t>
+            </a:r>
+          </a:p>
+          <a:p>
+            <a:r>
+              <a:rPr lang="en-US" dirty="0"/>
+              <a:t>Data was only split for 70%/30%. There was never a test set. Only train and </a:t>
+            </a:r>
+            <a:r>
+              <a:rPr lang="en-US"/>
+              <a:t>dev set.</a:t>
+            </a:r>
+            <a:endParaRPr lang="en-US" dirty="0"/>
+          </a:p>
+        </p:txBody>
+      </p:sp>
     </p:spTree>
     <p:extLst>
       <p:ext uri="{BB962C8B-B14F-4D97-AF65-F5344CB8AC3E}">
-        <p14:creationId xmlns:p14="http://schemas.microsoft.com/office/powerpoint/2010/main" val="1456494225"/>
+        <p14:creationId xmlns:p14="http://schemas.microsoft.com/office/powerpoint/2010/main" val="4145819235"/>
       </p:ext>
     </p:extLst>
   </p:cSld>
@@ -9628,7 +9647,7 @@
           <p:cNvPr id="2" name="Title 1">
             <a:extLst>
               <a:ext uri="{FF2B5EF4-FFF2-40B4-BE49-F238E27FC236}">
-                <a16:creationId xmlns:a16="http://schemas.microsoft.com/office/drawing/2014/main" id="{1F963C0E-367B-49CC-A659-41A7D6D75D66}"/>
+                <a16:creationId xmlns:a16="http://schemas.microsoft.com/office/drawing/2014/main" id="{E0153C9F-66E9-4FFA-B4AC-1CC31012655B}"/>
               </a:ext>
             </a:extLst>
           </p:cNvPr>
@@ -9639,64 +9658,31 @@
             <p:ph type="title"/>
           </p:nvPr>
         </p:nvSpPr>
-        <p:spPr/>
+        <p:spPr>
+          <a:xfrm>
+            <a:off x="919119" y="2679940"/>
+            <a:ext cx="10353762" cy="970450"/>
+          </a:xfrm>
+        </p:spPr>
         <p:txBody>
           <a:bodyPr/>
           <a:lstStyle/>
           <a:p>
             <a:r>
-              <a:rPr lang="en-US" dirty="0"/>
-              <a:t>Critiques</a:t>
-            </a:r>
-          </a:p>
-        </p:txBody>
-      </p:sp>
-      <p:sp>
-        <p:nvSpPr>
-          <p:cNvPr id="5" name="Content Placeholder 4">
-            <a:extLst>
-              <a:ext uri="{FF2B5EF4-FFF2-40B4-BE49-F238E27FC236}">
-                <a16:creationId xmlns:a16="http://schemas.microsoft.com/office/drawing/2014/main" id="{C5B0C160-488F-4957-9DF0-8B9D23D93CD5}"/>
-              </a:ext>
-            </a:extLst>
-          </p:cNvPr>
-          <p:cNvSpPr>
-            <a:spLocks noGrp="1"/>
-          </p:cNvSpPr>
-          <p:nvPr>
-            <p:ph idx="1"/>
-          </p:nvPr>
-        </p:nvSpPr>
-        <p:spPr/>
-        <p:txBody>
-          <a:bodyPr/>
-          <a:lstStyle/>
-          <a:p>
-            <a:r>
-              <a:rPr lang="en-US" dirty="0"/>
-              <a:t>Only looked at West Village</a:t>
-            </a:r>
-          </a:p>
-          <a:p>
-            <a:r>
-              <a:rPr lang="en-US" dirty="0"/>
-              <a:t>Many Hyper-parameters that could have been optimized</a:t>
-            </a:r>
-          </a:p>
-          <a:p>
-            <a:r>
-              <a:rPr lang="en-US" dirty="0"/>
-              <a:t>Never tried testing a trained model on a particular neighborhood and testing on a different neighborhood.</a:t>
-            </a:r>
-          </a:p>
-          <a:p>
-            <a:r>
-              <a:rPr lang="en-US" dirty="0"/>
-              <a:t>Data was only split for 70%/30%. There was never a test set. Only train and </a:t>
-            </a:r>
-            <a:r>
-              <a:rPr lang="en-US"/>
-              <a:t>dev set.</a:t>
+              <a:rPr lang="sv-SE" dirty="0" err="1"/>
+              <a:t>Thanks</a:t>
+            </a:r>
+            <a:r>
+              <a:rPr lang="sv-SE" dirty="0"/>
+              <a:t> for </a:t>
+            </a:r>
+            <a:r>
+              <a:rPr lang="sv-SE" dirty="0" err="1"/>
+              <a:t>Listening</a:t>
+            </a:r>
+            <a:r>
+              <a:rPr lang="sv-SE" dirty="0"/>
+              <a:t>!</a:t>
             </a:r>
             <a:endParaRPr lang="en-US" dirty="0"/>
           </a:p>
@@ -9705,7 +9691,7 @@
     </p:spTree>
     <p:extLst>
       <p:ext uri="{BB962C8B-B14F-4D97-AF65-F5344CB8AC3E}">
-        <p14:creationId xmlns:p14="http://schemas.microsoft.com/office/powerpoint/2010/main" val="4145819235"/>
+        <p14:creationId xmlns:p14="http://schemas.microsoft.com/office/powerpoint/2010/main" val="1525422404"/>
       </p:ext>
     </p:extLst>
   </p:cSld>
@@ -9716,89 +9702,6 @@
 </file>
 
 <file path=ppt/slides/slide3.xml><?xml version="1.0" encoding="utf-8"?>
-<p:sld xmlns:a="http://schemas.openxmlformats.org/drawingml/2006/main" xmlns:r="http://schemas.openxmlformats.org/officeDocument/2006/relationships" xmlns:p="http://schemas.openxmlformats.org/presentationml/2006/main">
-  <p:cSld>
-    <p:spTree>
-      <p:nvGrpSpPr>
-        <p:cNvPr id="1" name=""/>
-        <p:cNvGrpSpPr/>
-        <p:nvPr/>
-      </p:nvGrpSpPr>
-      <p:grpSpPr>
-        <a:xfrm>
-          <a:off x="0" y="0"/>
-          <a:ext cx="0" cy="0"/>
-          <a:chOff x="0" y="0"/>
-          <a:chExt cx="0" cy="0"/>
-        </a:xfrm>
-      </p:grpSpPr>
-      <p:sp>
-        <p:nvSpPr>
-          <p:cNvPr id="2" name="Title 1">
-            <a:extLst>
-              <a:ext uri="{FF2B5EF4-FFF2-40B4-BE49-F238E27FC236}">
-                <a16:creationId xmlns:a16="http://schemas.microsoft.com/office/drawing/2014/main" id="{3E3697E0-2033-4FF8-9788-9AC9AB8C4AAD}"/>
-              </a:ext>
-            </a:extLst>
-          </p:cNvPr>
-          <p:cNvSpPr>
-            <a:spLocks noGrp="1"/>
-          </p:cNvSpPr>
-          <p:nvPr>
-            <p:ph type="title"/>
-          </p:nvPr>
-        </p:nvSpPr>
-        <p:spPr/>
-        <p:txBody>
-          <a:bodyPr/>
-          <a:lstStyle/>
-          <a:p>
-            <a:r>
-              <a:rPr lang="en-US" dirty="0"/>
-              <a:t>Time Line</a:t>
-            </a:r>
-          </a:p>
-        </p:txBody>
-      </p:sp>
-      <p:sp>
-        <p:nvSpPr>
-          <p:cNvPr id="3" name="Content Placeholder 2">
-            <a:extLst>
-              <a:ext uri="{FF2B5EF4-FFF2-40B4-BE49-F238E27FC236}">
-                <a16:creationId xmlns:a16="http://schemas.microsoft.com/office/drawing/2014/main" id="{6B64C774-E4C5-41BC-9D34-4498332AA2DC}"/>
-              </a:ext>
-            </a:extLst>
-          </p:cNvPr>
-          <p:cNvSpPr>
-            <a:spLocks noGrp="1"/>
-          </p:cNvSpPr>
-          <p:nvPr>
-            <p:ph idx="1"/>
-          </p:nvPr>
-        </p:nvSpPr>
-        <p:spPr/>
-        <p:txBody>
-          <a:bodyPr/>
-          <a:lstStyle/>
-          <a:p>
-            <a:endParaRPr lang="en-US" dirty="0"/>
-          </a:p>
-        </p:txBody>
-      </p:sp>
-    </p:spTree>
-    <p:extLst>
-      <p:ext uri="{BB962C8B-B14F-4D97-AF65-F5344CB8AC3E}">
-        <p14:creationId xmlns:p14="http://schemas.microsoft.com/office/powerpoint/2010/main" val="1710043669"/>
-      </p:ext>
-    </p:extLst>
-  </p:cSld>
-  <p:clrMapOvr>
-    <a:masterClrMapping/>
-  </p:clrMapOvr>
-</p:sld>
-</file>
-
-<file path=ppt/slides/slide4.xml><?xml version="1.0" encoding="utf-8"?>
 <p:sld xmlns:a="http://schemas.openxmlformats.org/drawingml/2006/main" xmlns:r="http://schemas.openxmlformats.org/officeDocument/2006/relationships" xmlns:p="http://schemas.openxmlformats.org/presentationml/2006/main">
   <p:cSld>
     <p:bg>
@@ -10544,7 +10447,7 @@
 </p:sld>
 </file>
 
-<file path=ppt/slides/slide5.xml><?xml version="1.0" encoding="utf-8"?>
+<file path=ppt/slides/slide4.xml><?xml version="1.0" encoding="utf-8"?>
 <p:sld xmlns:a="http://schemas.openxmlformats.org/drawingml/2006/main" xmlns:r="http://schemas.openxmlformats.org/officeDocument/2006/relationships" xmlns:p="http://schemas.openxmlformats.org/presentationml/2006/main">
   <p:cSld>
     <p:spTree>
@@ -10751,7 +10654,7 @@
 </p:sld>
 </file>
 
-<file path=ppt/slides/slide6.xml><?xml version="1.0" encoding="utf-8"?>
+<file path=ppt/slides/slide5.xml><?xml version="1.0" encoding="utf-8"?>
 <p:sld xmlns:a="http://schemas.openxmlformats.org/drawingml/2006/main" xmlns:r="http://schemas.openxmlformats.org/officeDocument/2006/relationships" xmlns:p="http://schemas.openxmlformats.org/presentationml/2006/main">
   <p:cSld>
     <p:spTree>
@@ -10928,7 +10831,7 @@
 </p:sld>
 </file>
 
-<file path=ppt/slides/slide7.xml><?xml version="1.0" encoding="utf-8"?>
+<file path=ppt/slides/slide6.xml><?xml version="1.0" encoding="utf-8"?>
 <p:sld xmlns:a="http://schemas.openxmlformats.org/drawingml/2006/main" xmlns:r="http://schemas.openxmlformats.org/officeDocument/2006/relationships" xmlns:p="http://schemas.openxmlformats.org/presentationml/2006/main">
   <p:cSld>
     <p:spTree>
@@ -11048,7 +10951,7 @@
 </p:sld>
 </file>
 
-<file path=ppt/slides/slide8.xml><?xml version="1.0" encoding="utf-8"?>
+<file path=ppt/slides/slide7.xml><?xml version="1.0" encoding="utf-8"?>
 <p:sld xmlns:a="http://schemas.openxmlformats.org/drawingml/2006/main" xmlns:r="http://schemas.openxmlformats.org/officeDocument/2006/relationships" xmlns:p="http://schemas.openxmlformats.org/presentationml/2006/main">
   <p:cSld>
     <p:bg>
@@ -11392,6 +11295,127 @@
 </p:sld>
 </file>
 
+<file path=ppt/slides/slide8.xml><?xml version="1.0" encoding="utf-8"?>
+<p:sld xmlns:a="http://schemas.openxmlformats.org/drawingml/2006/main" xmlns:r="http://schemas.openxmlformats.org/officeDocument/2006/relationships" xmlns:p="http://schemas.openxmlformats.org/presentationml/2006/main">
+  <p:cSld>
+    <p:spTree>
+      <p:nvGrpSpPr>
+        <p:cNvPr id="1" name=""/>
+        <p:cNvGrpSpPr/>
+        <p:nvPr/>
+      </p:nvGrpSpPr>
+      <p:grpSpPr>
+        <a:xfrm>
+          <a:off x="0" y="0"/>
+          <a:ext cx="0" cy="0"/>
+          <a:chOff x="0" y="0"/>
+          <a:chExt cx="0" cy="0"/>
+        </a:xfrm>
+      </p:grpSpPr>
+      <p:sp>
+        <p:nvSpPr>
+          <p:cNvPr id="2" name="Title 1">
+            <a:extLst>
+              <a:ext uri="{FF2B5EF4-FFF2-40B4-BE49-F238E27FC236}">
+                <a16:creationId xmlns:a16="http://schemas.microsoft.com/office/drawing/2014/main" id="{09638EDA-AA65-421A-A2A8-F5197A58A4FE}"/>
+              </a:ext>
+            </a:extLst>
+          </p:cNvPr>
+          <p:cNvSpPr>
+            <a:spLocks noGrp="1"/>
+          </p:cNvSpPr>
+          <p:nvPr>
+            <p:ph type="title"/>
+          </p:nvPr>
+        </p:nvSpPr>
+        <p:spPr/>
+        <p:txBody>
+          <a:bodyPr/>
+          <a:lstStyle/>
+          <a:p>
+            <a:r>
+              <a:rPr lang="en-US" dirty="0"/>
+              <a:t>Preparing Sparse Features</a:t>
+            </a:r>
+          </a:p>
+        </p:txBody>
+      </p:sp>
+      <p:sp>
+        <p:nvSpPr>
+          <p:cNvPr id="3" name="Content Placeholder 2">
+            <a:extLst>
+              <a:ext uri="{FF2B5EF4-FFF2-40B4-BE49-F238E27FC236}">
+                <a16:creationId xmlns:a16="http://schemas.microsoft.com/office/drawing/2014/main" id="{F49D8317-416B-439A-A00F-27A412B29F4C}"/>
+              </a:ext>
+            </a:extLst>
+          </p:cNvPr>
+          <p:cNvSpPr>
+            <a:spLocks noGrp="1"/>
+          </p:cNvSpPr>
+          <p:nvPr>
+            <p:ph idx="1"/>
+          </p:nvPr>
+        </p:nvSpPr>
+        <p:spPr/>
+        <p:txBody>
+          <a:bodyPr/>
+          <a:lstStyle/>
+          <a:p>
+            <a:r>
+              <a:rPr lang="en-US" dirty="0"/>
+              <a:t>Features</a:t>
+            </a:r>
+          </a:p>
+          <a:p>
+            <a:pPr lvl="1"/>
+            <a:r>
+              <a:rPr lang="en-US" dirty="0"/>
+              <a:t>Visitor Count – Number of unique users in a neighborhood n at time internal t.</a:t>
+            </a:r>
+          </a:p>
+          <a:p>
+            <a:pPr lvl="1"/>
+            <a:r>
+              <a:rPr lang="en-US" dirty="0"/>
+              <a:t>Observation Frequency – Number of check-ins in neighborhood n at time interval t.</a:t>
+            </a:r>
+          </a:p>
+          <a:p>
+            <a:pPr lvl="1"/>
+            <a:r>
+              <a:rPr lang="en-US" dirty="0"/>
+              <a:t>Visitor Entropy – Diversity of visitors in a location with respect to their visits; safety indicator.</a:t>
+            </a:r>
+          </a:p>
+          <a:p>
+            <a:pPr lvl="1"/>
+            <a:r>
+              <a:rPr lang="en-US" dirty="0"/>
+              <a:t>Region Popularity – Assesses popularity of neighborhood n at time interval t.</a:t>
+            </a:r>
+          </a:p>
+          <a:p>
+            <a:pPr lvl="1"/>
+            <a:r>
+              <a:rPr lang="en-US" dirty="0"/>
+              <a:t>Visitor Ratio – Number of check-ins by new users considering only their top 4 venues.</a:t>
+            </a:r>
+          </a:p>
+        </p:txBody>
+      </p:sp>
+    </p:spTree>
+    <p:extLst>
+      <p:ext uri="{BB962C8B-B14F-4D97-AF65-F5344CB8AC3E}">
+        <p14:creationId xmlns:p14="http://schemas.microsoft.com/office/powerpoint/2010/main" val="564095405"/>
+      </p:ext>
+    </p:extLst>
+  </p:cSld>
+  <p:clrMapOvr>
+    <a:masterClrMapping/>
+  </p:clrMapOvr>
+</p:sld>
+</file>
+
 <file path=ppt/slides/slide9.xml><?xml version="1.0" encoding="utf-8"?>
 <p:sld xmlns:a="http://schemas.openxmlformats.org/drawingml/2006/main" xmlns:r="http://schemas.openxmlformats.org/officeDocument/2006/relationships" xmlns:p="http://schemas.openxmlformats.org/presentationml/2006/main">
   <p:cSld>
@@ -11414,7 +11438,7 @@
           <p:cNvPr id="2" name="Title 1">
             <a:extLst>
               <a:ext uri="{FF2B5EF4-FFF2-40B4-BE49-F238E27FC236}">
-                <a16:creationId xmlns:a16="http://schemas.microsoft.com/office/drawing/2014/main" id="{09638EDA-AA65-421A-A2A8-F5197A58A4FE}"/>
+                <a16:creationId xmlns:a16="http://schemas.microsoft.com/office/drawing/2014/main" id="{07E1A0FC-DB78-4797-8471-5C18380A08EE}"/>
               </a:ext>
             </a:extLst>
           </p:cNvPr>
@@ -11425,85 +11449,63 @@
             <p:ph type="title"/>
           </p:nvPr>
         </p:nvSpPr>
-        <p:spPr/>
+        <p:spPr>
+          <a:xfrm>
+            <a:off x="913795" y="460311"/>
+            <a:ext cx="10353762" cy="970450"/>
+          </a:xfrm>
+        </p:spPr>
         <p:txBody>
           <a:bodyPr/>
           <a:lstStyle/>
           <a:p>
             <a:r>
-              <a:rPr lang="en-US" dirty="0"/>
-              <a:t>Preparing Sparse Features</a:t>
-            </a:r>
-          </a:p>
-        </p:txBody>
-      </p:sp>
-      <p:sp>
-        <p:nvSpPr>
-          <p:cNvPr id="3" name="Content Placeholder 2">
+              <a:rPr lang="sv-SE" dirty="0"/>
+              <a:t>View of Region Popularity Feature</a:t>
+            </a:r>
+            <a:endParaRPr lang="en-US" dirty="0"/>
+          </a:p>
+        </p:txBody>
+      </p:sp>
+      <p:pic>
+        <p:nvPicPr>
+          <p:cNvPr id="5" name="Content Placeholder 4">
             <a:extLst>
               <a:ext uri="{FF2B5EF4-FFF2-40B4-BE49-F238E27FC236}">
-                <a16:creationId xmlns:a16="http://schemas.microsoft.com/office/drawing/2014/main" id="{F49D8317-416B-439A-A00F-27A412B29F4C}"/>
+                <a16:creationId xmlns:a16="http://schemas.microsoft.com/office/drawing/2014/main" id="{4F2E9A02-E75A-4053-AAE8-F2322DABE012}"/>
               </a:ext>
             </a:extLst>
           </p:cNvPr>
-          <p:cNvSpPr>
-            <a:spLocks noGrp="1"/>
-          </p:cNvSpPr>
+          <p:cNvPicPr>
+            <a:picLocks noGrp="1" noChangeAspect="1"/>
+          </p:cNvPicPr>
           <p:nvPr>
             <p:ph idx="1"/>
           </p:nvPr>
-        </p:nvSpPr>
-        <p:spPr/>
-        <p:txBody>
-          <a:bodyPr/>
-          <a:lstStyle/>
-          <a:p>
-            <a:r>
-              <a:rPr lang="en-US" dirty="0"/>
-              <a:t>Features</a:t>
-            </a:r>
-          </a:p>
-          <a:p>
-            <a:pPr lvl="1"/>
-            <a:r>
-              <a:rPr lang="en-US" dirty="0"/>
-              <a:t>Visitor Count – Number of unique users in a neighborhood n at time internal t.</a:t>
-            </a:r>
-          </a:p>
-          <a:p>
-            <a:pPr lvl="1"/>
-            <a:r>
-              <a:rPr lang="en-US" dirty="0"/>
-              <a:t>Observation Frequency – Number of check-ins in neighborhood n at time interval t.</a:t>
-            </a:r>
-          </a:p>
-          <a:p>
-            <a:pPr lvl="1"/>
-            <a:r>
-              <a:rPr lang="en-US" dirty="0"/>
-              <a:t>Visitor Entropy – Diversity of visitors in a location with respect to their visits; safety indicator.</a:t>
-            </a:r>
-          </a:p>
-          <a:p>
-            <a:pPr lvl="1"/>
-            <a:r>
-              <a:rPr lang="en-US" dirty="0"/>
-              <a:t>Region Popularity – Assesses popularity of neighborhood n at time interval t.</a:t>
-            </a:r>
-          </a:p>
-          <a:p>
-            <a:pPr lvl="1"/>
-            <a:r>
-              <a:rPr lang="en-US" dirty="0"/>
-              <a:t>Visitor Ratio – Number of check-ins by new users considering only their top 4 venues.</a:t>
-            </a:r>
-          </a:p>
-        </p:txBody>
-      </p:sp>
+        </p:nvPicPr>
+        <p:blipFill>
+          <a:blip r:embed="rId2">
+            <a:extLst>
+              <a:ext uri="{28A0092B-C50C-407E-A947-70E740481C1C}">
+                <a14:useLocalDpi xmlns:a14="http://schemas.microsoft.com/office/drawing/2010/main" val="0"/>
+              </a:ext>
+            </a:extLst>
+          </a:blip>
+          <a:stretch>
+            <a:fillRect/>
+          </a:stretch>
+        </p:blipFill>
+        <p:spPr>
+          <a:xfrm>
+            <a:off x="1174234" y="1580050"/>
+            <a:ext cx="9832884" cy="4970106"/>
+          </a:xfrm>
+        </p:spPr>
+      </p:pic>
     </p:spTree>
     <p:extLst>
       <p:ext uri="{BB962C8B-B14F-4D97-AF65-F5344CB8AC3E}">
-        <p14:creationId xmlns:p14="http://schemas.microsoft.com/office/powerpoint/2010/main" val="564095405"/>
+        <p14:creationId xmlns:p14="http://schemas.microsoft.com/office/powerpoint/2010/main" val="3705193038"/>
       </p:ext>
     </p:extLst>
   </p:cSld>
